--- a/RollingSphere.pptx
+++ b/RollingSphere.pptx
@@ -4,6 +4,15 @@
   <p:sldMasterIdLst>
     <p:sldMasterId id="2147483648" r:id="rId1"/>
   </p:sldMasterIdLst>
+  <p:sldIdLst>
+    <p:sldId id="256" r:id="rId2"/>
+    <p:sldId id="257" r:id="rId3"/>
+    <p:sldId id="258" r:id="rId4"/>
+    <p:sldId id="260" r:id="rId5"/>
+    <p:sldId id="259" r:id="rId6"/>
+    <p:sldId id="261" r:id="rId7"/>
+    <p:sldId id="262" r:id="rId8"/>
+  </p:sldIdLst>
   <p:sldSz cx="9144000" cy="6858000" type="screen4x3"/>
   <p:notesSz cx="6858000" cy="9144000"/>
   <p:defaultTextStyle>
@@ -285,7 +294,7 @@
           <a:p>
             <a:fld id="{B4C71EC6-210F-42DE-9C53-41977AD35B3D}" type="datetimeFigureOut">
               <a:rPr lang="ru-RU" smtClean="0"/>
-              <a:t>12.11.2009</a:t>
+              <a:t>30.05.2017</a:t>
             </a:fld>
             <a:endParaRPr lang="ru-RU"/>
           </a:p>
@@ -450,7 +459,7 @@
           <a:p>
             <a:fld id="{B4C71EC6-210F-42DE-9C53-41977AD35B3D}" type="datetimeFigureOut">
               <a:rPr lang="ru-RU" smtClean="0"/>
-              <a:t>12.11.2009</a:t>
+              <a:t>30.05.2017</a:t>
             </a:fld>
             <a:endParaRPr lang="ru-RU"/>
           </a:p>
@@ -625,7 +634,7 @@
           <a:p>
             <a:fld id="{B4C71EC6-210F-42DE-9C53-41977AD35B3D}" type="datetimeFigureOut">
               <a:rPr lang="ru-RU" smtClean="0"/>
-              <a:t>12.11.2009</a:t>
+              <a:t>30.05.2017</a:t>
             </a:fld>
             <a:endParaRPr lang="ru-RU"/>
           </a:p>
@@ -790,7 +799,7 @@
           <a:p>
             <a:fld id="{B4C71EC6-210F-42DE-9C53-41977AD35B3D}" type="datetimeFigureOut">
               <a:rPr lang="ru-RU" smtClean="0"/>
-              <a:t>12.11.2009</a:t>
+              <a:t>30.05.2017</a:t>
             </a:fld>
             <a:endParaRPr lang="ru-RU"/>
           </a:p>
@@ -1031,7 +1040,7 @@
           <a:p>
             <a:fld id="{B4C71EC6-210F-42DE-9C53-41977AD35B3D}" type="datetimeFigureOut">
               <a:rPr lang="ru-RU" smtClean="0"/>
-              <a:t>12.11.2009</a:t>
+              <a:t>30.05.2017</a:t>
             </a:fld>
             <a:endParaRPr lang="ru-RU"/>
           </a:p>
@@ -1314,7 +1323,7 @@
           <a:p>
             <a:fld id="{B4C71EC6-210F-42DE-9C53-41977AD35B3D}" type="datetimeFigureOut">
               <a:rPr lang="ru-RU" smtClean="0"/>
-              <a:t>12.11.2009</a:t>
+              <a:t>30.05.2017</a:t>
             </a:fld>
             <a:endParaRPr lang="ru-RU"/>
           </a:p>
@@ -1731,7 +1740,7 @@
           <a:p>
             <a:fld id="{B4C71EC6-210F-42DE-9C53-41977AD35B3D}" type="datetimeFigureOut">
               <a:rPr lang="ru-RU" smtClean="0"/>
-              <a:t>12.11.2009</a:t>
+              <a:t>30.05.2017</a:t>
             </a:fld>
             <a:endParaRPr lang="ru-RU"/>
           </a:p>
@@ -1844,7 +1853,7 @@
           <a:p>
             <a:fld id="{B4C71EC6-210F-42DE-9C53-41977AD35B3D}" type="datetimeFigureOut">
               <a:rPr lang="ru-RU" smtClean="0"/>
-              <a:t>12.11.2009</a:t>
+              <a:t>30.05.2017</a:t>
             </a:fld>
             <a:endParaRPr lang="ru-RU"/>
           </a:p>
@@ -1934,7 +1943,7 @@
           <a:p>
             <a:fld id="{B4C71EC6-210F-42DE-9C53-41977AD35B3D}" type="datetimeFigureOut">
               <a:rPr lang="ru-RU" smtClean="0"/>
-              <a:t>12.11.2009</a:t>
+              <a:t>30.05.2017</a:t>
             </a:fld>
             <a:endParaRPr lang="ru-RU"/>
           </a:p>
@@ -2206,7 +2215,7 @@
           <a:p>
             <a:fld id="{B4C71EC6-210F-42DE-9C53-41977AD35B3D}" type="datetimeFigureOut">
               <a:rPr lang="ru-RU" smtClean="0"/>
-              <a:t>12.11.2009</a:t>
+              <a:t>30.05.2017</a:t>
             </a:fld>
             <a:endParaRPr lang="ru-RU"/>
           </a:p>
@@ -2454,7 +2463,7 @@
           <a:p>
             <a:fld id="{B4C71EC6-210F-42DE-9C53-41977AD35B3D}" type="datetimeFigureOut">
               <a:rPr lang="ru-RU" smtClean="0"/>
-              <a:t>12.11.2009</a:t>
+              <a:t>30.05.2017</a:t>
             </a:fld>
             <a:endParaRPr lang="ru-RU"/>
           </a:p>
@@ -2662,7 +2671,7 @@
           <a:p>
             <a:fld id="{B4C71EC6-210F-42DE-9C53-41977AD35B3D}" type="datetimeFigureOut">
               <a:rPr lang="ru-RU" smtClean="0"/>
-              <a:t>12.11.2009</a:t>
+              <a:t>30.05.2017</a:t>
             </a:fld>
             <a:endParaRPr lang="ru-RU"/>
           </a:p>
@@ -3013,6 +3022,671 @@
     </p:otherStyle>
   </p:txStyles>
 </p:sldMaster>
+</file>
+
+<file path=ppt/slides/slide1.xml><?xml version="1.0" encoding="utf-8"?>
+<p:sld xmlns:a="http://schemas.openxmlformats.org/drawingml/2006/main" xmlns:r="http://schemas.openxmlformats.org/officeDocument/2006/relationships" xmlns:p="http://schemas.openxmlformats.org/presentationml/2006/main">
+  <p:cSld>
+    <p:spTree>
+      <p:nvGrpSpPr>
+        <p:cNvPr id="1" name=""/>
+        <p:cNvGrpSpPr/>
+        <p:nvPr/>
+      </p:nvGrpSpPr>
+      <p:grpSpPr>
+        <a:xfrm>
+          <a:off x="0" y="0"/>
+          <a:ext cx="0" cy="0"/>
+          <a:chOff x="0" y="0"/>
+          <a:chExt cx="0" cy="0"/>
+        </a:xfrm>
+      </p:grpSpPr>
+      <p:sp>
+        <p:nvSpPr>
+          <p:cNvPr id="2" name="Заголовок 1"/>
+          <p:cNvSpPr>
+            <a:spLocks noGrp="1"/>
+          </p:cNvSpPr>
+          <p:nvPr>
+            <p:ph type="ctrTitle"/>
+          </p:nvPr>
+        </p:nvSpPr>
+        <p:spPr/>
+        <p:txBody>
+          <a:bodyPr/>
+          <a:lstStyle/>
+          <a:p>
+            <a:r>
+              <a:rPr lang="en-US" dirty="0" err="1" smtClean="0"/>
+              <a:t>RollingSphere</a:t>
+            </a:r>
+            <a:endParaRPr lang="ru-RU" dirty="0"/>
+          </a:p>
+        </p:txBody>
+      </p:sp>
+      <p:sp>
+        <p:nvSpPr>
+          <p:cNvPr id="3" name="Подзаголовок 2"/>
+          <p:cNvSpPr>
+            <a:spLocks noGrp="1"/>
+          </p:cNvSpPr>
+          <p:nvPr>
+            <p:ph type="subTitle" idx="1"/>
+          </p:nvPr>
+        </p:nvSpPr>
+        <p:spPr/>
+        <p:txBody>
+          <a:bodyPr/>
+          <a:lstStyle/>
+          <a:p>
+            <a:endParaRPr lang="ru-RU"/>
+          </a:p>
+        </p:txBody>
+      </p:sp>
+    </p:spTree>
+    <p:extLst>
+      <p:ext uri="{BB962C8B-B14F-4D97-AF65-F5344CB8AC3E}">
+        <p14:creationId xmlns:p14="http://schemas.microsoft.com/office/powerpoint/2010/main" val="2512748646"/>
+      </p:ext>
+    </p:extLst>
+  </p:cSld>
+  <p:clrMapOvr>
+    <a:masterClrMapping/>
+  </p:clrMapOvr>
+</p:sld>
+</file>
+
+<file path=ppt/slides/slide2.xml><?xml version="1.0" encoding="utf-8"?>
+<p:sld xmlns:a="http://schemas.openxmlformats.org/drawingml/2006/main" xmlns:r="http://schemas.openxmlformats.org/officeDocument/2006/relationships" xmlns:p="http://schemas.openxmlformats.org/presentationml/2006/main">
+  <p:cSld>
+    <p:spTree>
+      <p:nvGrpSpPr>
+        <p:cNvPr id="1" name=""/>
+        <p:cNvGrpSpPr/>
+        <p:nvPr/>
+      </p:nvGrpSpPr>
+      <p:grpSpPr>
+        <a:xfrm>
+          <a:off x="0" y="0"/>
+          <a:ext cx="0" cy="0"/>
+          <a:chOff x="0" y="0"/>
+          <a:chExt cx="0" cy="0"/>
+        </a:xfrm>
+      </p:grpSpPr>
+      <p:sp>
+        <p:nvSpPr>
+          <p:cNvPr id="2" name="Заголовок 1"/>
+          <p:cNvSpPr>
+            <a:spLocks noGrp="1"/>
+          </p:cNvSpPr>
+          <p:nvPr>
+            <p:ph type="title"/>
+          </p:nvPr>
+        </p:nvSpPr>
+        <p:spPr/>
+        <p:txBody>
+          <a:bodyPr/>
+          <a:lstStyle/>
+          <a:p>
+            <a:r>
+              <a:rPr lang="en-US" dirty="0" smtClean="0"/>
+              <a:t>Three.js</a:t>
+            </a:r>
+            <a:endParaRPr lang="ru-RU" dirty="0"/>
+          </a:p>
+        </p:txBody>
+      </p:sp>
+      <p:sp>
+        <p:nvSpPr>
+          <p:cNvPr id="3" name="Объект 2"/>
+          <p:cNvSpPr>
+            <a:spLocks noGrp="1"/>
+          </p:cNvSpPr>
+          <p:nvPr>
+            <p:ph idx="1"/>
+          </p:nvPr>
+        </p:nvSpPr>
+        <p:spPr/>
+        <p:txBody>
+          <a:bodyPr>
+            <a:normAutofit lnSpcReduction="10000"/>
+          </a:bodyPr>
+          <a:lstStyle/>
+          <a:p>
+            <a:r>
+              <a:rPr lang="ru-RU" dirty="0"/>
+              <a:t>легковесная </a:t>
+            </a:r>
+            <a:r>
+              <a:rPr lang="ru-RU" dirty="0" err="1"/>
+              <a:t>кроссбраузерная</a:t>
+            </a:r>
+            <a:r>
+              <a:rPr lang="ru-RU" dirty="0"/>
+              <a:t> библиотека </a:t>
+            </a:r>
+            <a:r>
+              <a:rPr lang="ru-RU" dirty="0" err="1"/>
+              <a:t>JavaScript</a:t>
+            </a:r>
+            <a:r>
+              <a:rPr lang="ru-RU" dirty="0"/>
+              <a:t>, используемая для создания и отображения анимированной компьютерной 3D графики при разработке веб-приложений</a:t>
+            </a:r>
+            <a:r>
+              <a:rPr lang="ru-RU" dirty="0" smtClean="0"/>
+              <a:t>.</a:t>
+            </a:r>
+          </a:p>
+          <a:p>
+            <a:r>
+              <a:rPr lang="ru-RU" dirty="0"/>
+              <a:t>позволяет создавать ускоренную на GPU 3D графику, используя язык </a:t>
+            </a:r>
+            <a:r>
+              <a:rPr lang="ru-RU" dirty="0" err="1"/>
+              <a:t>JavaScript</a:t>
+            </a:r>
+            <a:r>
+              <a:rPr lang="ru-RU" dirty="0"/>
+              <a:t> как часть сайта без подключения </a:t>
+            </a:r>
+            <a:r>
+              <a:rPr lang="ru-RU" dirty="0" err="1"/>
+              <a:t>проприетарных</a:t>
+            </a:r>
+            <a:r>
+              <a:rPr lang="ru-RU" dirty="0"/>
+              <a:t> плагинов для браузера.</a:t>
+            </a:r>
+          </a:p>
+        </p:txBody>
+      </p:sp>
+    </p:spTree>
+    <p:extLst>
+      <p:ext uri="{BB962C8B-B14F-4D97-AF65-F5344CB8AC3E}">
+        <p14:creationId xmlns:p14="http://schemas.microsoft.com/office/powerpoint/2010/main" val="3517648203"/>
+      </p:ext>
+    </p:extLst>
+  </p:cSld>
+  <p:clrMapOvr>
+    <a:masterClrMapping/>
+  </p:clrMapOvr>
+</p:sld>
+</file>
+
+<file path=ppt/slides/slide3.xml><?xml version="1.0" encoding="utf-8"?>
+<p:sld xmlns:a="http://schemas.openxmlformats.org/drawingml/2006/main" xmlns:r="http://schemas.openxmlformats.org/officeDocument/2006/relationships" xmlns:p="http://schemas.openxmlformats.org/presentationml/2006/main">
+  <p:cSld>
+    <p:spTree>
+      <p:nvGrpSpPr>
+        <p:cNvPr id="1" name=""/>
+        <p:cNvGrpSpPr/>
+        <p:nvPr/>
+      </p:nvGrpSpPr>
+      <p:grpSpPr>
+        <a:xfrm>
+          <a:off x="0" y="0"/>
+          <a:ext cx="0" cy="0"/>
+          <a:chOff x="0" y="0"/>
+          <a:chExt cx="0" cy="0"/>
+        </a:xfrm>
+      </p:grpSpPr>
+      <p:sp>
+        <p:nvSpPr>
+          <p:cNvPr id="2" name="Заголовок 1"/>
+          <p:cNvSpPr>
+            <a:spLocks noGrp="1"/>
+          </p:cNvSpPr>
+          <p:nvPr>
+            <p:ph type="title"/>
+          </p:nvPr>
+        </p:nvSpPr>
+        <p:spPr/>
+        <p:txBody>
+          <a:bodyPr/>
+          <a:lstStyle/>
+          <a:p>
+            <a:r>
+              <a:rPr lang="ru-RU" dirty="0" smtClean="0"/>
+              <a:t>Основные понятия</a:t>
+            </a:r>
+            <a:endParaRPr lang="ru-RU" dirty="0"/>
+          </a:p>
+        </p:txBody>
+      </p:sp>
+      <p:sp>
+        <p:nvSpPr>
+          <p:cNvPr id="3" name="Объект 2"/>
+          <p:cNvSpPr>
+            <a:spLocks noGrp="1"/>
+          </p:cNvSpPr>
+          <p:nvPr>
+            <p:ph idx="1"/>
+          </p:nvPr>
+        </p:nvSpPr>
+        <p:spPr/>
+        <p:txBody>
+          <a:bodyPr>
+            <a:normAutofit fontScale="92500" lnSpcReduction="20000"/>
+          </a:bodyPr>
+          <a:lstStyle/>
+          <a:p>
+            <a:r>
+              <a:rPr lang="ru-RU" b="1" dirty="0" err="1"/>
+              <a:t>Рендерер</a:t>
+            </a:r>
+            <a:r>
+              <a:rPr lang="ru-RU" dirty="0"/>
+              <a:t> – это сущность, отображающая на </a:t>
+            </a:r>
+            <a:r>
+              <a:rPr lang="ru-RU" dirty="0" err="1"/>
+              <a:t>canvas</a:t>
+            </a:r>
+            <a:r>
+              <a:rPr lang="ru-RU" dirty="0"/>
+              <a:t> выбранную сцену с выбранной камерой</a:t>
+            </a:r>
+            <a:r>
+              <a:rPr lang="ru-RU" dirty="0" smtClean="0"/>
+              <a:t>.</a:t>
+            </a:r>
+          </a:p>
+          <a:p>
+            <a:r>
+              <a:rPr lang="ru-RU" b="1" dirty="0"/>
+              <a:t>Сцена</a:t>
+            </a:r>
+            <a:r>
+              <a:rPr lang="ru-RU" dirty="0"/>
+              <a:t> – это 3D пространство, в котором располагаются нужные объекты: элементы (иначе - меши) и источники света, которые освещают элементы с какой-либо стороны</a:t>
+            </a:r>
+            <a:r>
+              <a:rPr lang="ru-RU" dirty="0" smtClean="0"/>
+              <a:t>.</a:t>
+            </a:r>
+          </a:p>
+          <a:p>
+            <a:r>
+              <a:rPr lang="ru-RU" b="1" dirty="0"/>
+              <a:t>Камера</a:t>
+            </a:r>
+            <a:r>
+              <a:rPr lang="ru-RU" dirty="0"/>
+              <a:t> – та точка, с который мы сейчас смотрим на сцену (и в ту точку, куда мы смотрим). От камеры в первую очередь зависит внешний вид элементов.</a:t>
+            </a:r>
+          </a:p>
+          <a:p>
+            <a:endParaRPr lang="ru-RU" dirty="0"/>
+          </a:p>
+        </p:txBody>
+      </p:sp>
+    </p:spTree>
+    <p:extLst>
+      <p:ext uri="{BB962C8B-B14F-4D97-AF65-F5344CB8AC3E}">
+        <p14:creationId xmlns:p14="http://schemas.microsoft.com/office/powerpoint/2010/main" val="3827463262"/>
+      </p:ext>
+    </p:extLst>
+  </p:cSld>
+  <p:clrMapOvr>
+    <a:masterClrMapping/>
+  </p:clrMapOvr>
+</p:sld>
+</file>
+
+<file path=ppt/slides/slide4.xml><?xml version="1.0" encoding="utf-8"?>
+<p:sld xmlns:a="http://schemas.openxmlformats.org/drawingml/2006/main" xmlns:r="http://schemas.openxmlformats.org/officeDocument/2006/relationships" xmlns:p="http://schemas.openxmlformats.org/presentationml/2006/main">
+  <p:cSld>
+    <p:spTree>
+      <p:nvGrpSpPr>
+        <p:cNvPr id="1" name=""/>
+        <p:cNvGrpSpPr/>
+        <p:nvPr/>
+      </p:nvGrpSpPr>
+      <p:grpSpPr>
+        <a:xfrm>
+          <a:off x="0" y="0"/>
+          <a:ext cx="0" cy="0"/>
+          <a:chOff x="0" y="0"/>
+          <a:chExt cx="0" cy="0"/>
+        </a:xfrm>
+      </p:grpSpPr>
+      <p:sp>
+        <p:nvSpPr>
+          <p:cNvPr id="2" name="Заголовок 1"/>
+          <p:cNvSpPr>
+            <a:spLocks noGrp="1"/>
+          </p:cNvSpPr>
+          <p:nvPr>
+            <p:ph type="title"/>
+          </p:nvPr>
+        </p:nvSpPr>
+        <p:spPr/>
+        <p:txBody>
+          <a:bodyPr/>
+          <a:lstStyle/>
+          <a:p>
+            <a:r>
+              <a:rPr lang="ru-RU" dirty="0" smtClean="0"/>
+              <a:t>Объекты сцены</a:t>
+            </a:r>
+            <a:endParaRPr lang="ru-RU" dirty="0"/>
+          </a:p>
+        </p:txBody>
+      </p:sp>
+      <p:sp>
+        <p:nvSpPr>
+          <p:cNvPr id="3" name="Объект 2"/>
+          <p:cNvSpPr>
+            <a:spLocks noGrp="1"/>
+          </p:cNvSpPr>
+          <p:nvPr>
+            <p:ph idx="1"/>
+          </p:nvPr>
+        </p:nvSpPr>
+        <p:spPr/>
+        <p:txBody>
+          <a:bodyPr>
+            <a:normAutofit fontScale="92500" lnSpcReduction="10000"/>
+          </a:bodyPr>
+          <a:lstStyle/>
+          <a:p>
+            <a:r>
+              <a:rPr lang="ru-RU" b="1" dirty="0"/>
+              <a:t>Источник света</a:t>
+            </a:r>
+            <a:r>
+              <a:rPr lang="ru-RU" dirty="0"/>
+              <a:t> – элемент, который создаёт освещение. Он может быть рассеянным, точечным, </a:t>
+            </a:r>
+            <a:r>
+              <a:rPr lang="ru-RU" dirty="0" smtClean="0"/>
+              <a:t>направленным.</a:t>
+            </a:r>
+          </a:p>
+          <a:p>
+            <a:r>
+              <a:rPr lang="ru-RU" b="1" dirty="0"/>
+              <a:t>Меш</a:t>
+            </a:r>
+            <a:r>
+              <a:rPr lang="ru-RU" dirty="0"/>
+              <a:t> – это элемент сцены, который состоит из геометрии и материала</a:t>
+            </a:r>
+            <a:r>
+              <a:rPr lang="ru-RU" dirty="0" smtClean="0"/>
+              <a:t>.</a:t>
+            </a:r>
+          </a:p>
+          <a:p>
+            <a:r>
+              <a:rPr lang="ru-RU" b="1" dirty="0"/>
+              <a:t>Геометрия</a:t>
+            </a:r>
+            <a:r>
+              <a:rPr lang="ru-RU" dirty="0"/>
+              <a:t> – это набор вершин, которые при генерации соединяются между собой графическими примитивами</a:t>
+            </a:r>
+            <a:r>
+              <a:rPr lang="ru-RU" dirty="0" smtClean="0"/>
+              <a:t>.</a:t>
+            </a:r>
+          </a:p>
+          <a:p>
+            <a:r>
+              <a:rPr lang="ru-RU" b="1" dirty="0"/>
+              <a:t>Материал</a:t>
+            </a:r>
+            <a:r>
+              <a:rPr lang="ru-RU" dirty="0"/>
+              <a:t> – это способ отображения и внешний вид элемента.</a:t>
+            </a:r>
+            <a:endParaRPr lang="ru-RU" dirty="0"/>
+          </a:p>
+        </p:txBody>
+      </p:sp>
+    </p:spTree>
+    <p:extLst>
+      <p:ext uri="{BB962C8B-B14F-4D97-AF65-F5344CB8AC3E}">
+        <p14:creationId xmlns:p14="http://schemas.microsoft.com/office/powerpoint/2010/main" val="1278415583"/>
+      </p:ext>
+    </p:extLst>
+  </p:cSld>
+  <p:clrMapOvr>
+    <a:masterClrMapping/>
+  </p:clrMapOvr>
+</p:sld>
+</file>
+
+<file path=ppt/slides/slide5.xml><?xml version="1.0" encoding="utf-8"?>
+<p:sld xmlns:a="http://schemas.openxmlformats.org/drawingml/2006/main" xmlns:r="http://schemas.openxmlformats.org/officeDocument/2006/relationships" xmlns:p="http://schemas.openxmlformats.org/presentationml/2006/main">
+  <p:cSld>
+    <p:spTree>
+      <p:nvGrpSpPr>
+        <p:cNvPr id="1" name=""/>
+        <p:cNvGrpSpPr/>
+        <p:nvPr/>
+      </p:nvGrpSpPr>
+      <p:grpSpPr>
+        <a:xfrm>
+          <a:off x="0" y="0"/>
+          <a:ext cx="0" cy="0"/>
+          <a:chOff x="0" y="0"/>
+          <a:chExt cx="0" cy="0"/>
+        </a:xfrm>
+      </p:grpSpPr>
+      <p:sp>
+        <p:nvSpPr>
+          <p:cNvPr id="2" name="Заголовок 1"/>
+          <p:cNvSpPr>
+            <a:spLocks noGrp="1"/>
+          </p:cNvSpPr>
+          <p:nvPr>
+            <p:ph type="title"/>
+          </p:nvPr>
+        </p:nvSpPr>
+        <p:spPr/>
+        <p:txBody>
+          <a:bodyPr/>
+          <a:lstStyle/>
+          <a:p>
+            <a:endParaRPr lang="ru-RU"/>
+          </a:p>
+        </p:txBody>
+      </p:sp>
+      <p:sp>
+        <p:nvSpPr>
+          <p:cNvPr id="3" name="Объект 2"/>
+          <p:cNvSpPr>
+            <a:spLocks noGrp="1"/>
+          </p:cNvSpPr>
+          <p:nvPr>
+            <p:ph idx="1"/>
+          </p:nvPr>
+        </p:nvSpPr>
+        <p:spPr/>
+        <p:txBody>
+          <a:bodyPr/>
+          <a:lstStyle/>
+          <a:p>
+            <a:r>
+              <a:rPr lang="ru-RU" b="1" dirty="0"/>
+              <a:t>Текстура</a:t>
+            </a:r>
+            <a:r>
+              <a:rPr lang="ru-RU" dirty="0"/>
+              <a:t> – это изображение, которое может использоваться в рамках материала, чтобы задать внешний вид объекта. Условно говоря, плоскость можно не только покрасить в красный цвет, но и подгрузить собственную картинку и размножить её по этой плоскости.</a:t>
+            </a:r>
+            <a:endParaRPr lang="ru-RU" dirty="0"/>
+          </a:p>
+        </p:txBody>
+      </p:sp>
+    </p:spTree>
+    <p:extLst>
+      <p:ext uri="{BB962C8B-B14F-4D97-AF65-F5344CB8AC3E}">
+        <p14:creationId xmlns:p14="http://schemas.microsoft.com/office/powerpoint/2010/main" val="3233311872"/>
+      </p:ext>
+    </p:extLst>
+  </p:cSld>
+  <p:clrMapOvr>
+    <a:masterClrMapping/>
+  </p:clrMapOvr>
+</p:sld>
+</file>
+
+<file path=ppt/slides/slide6.xml><?xml version="1.0" encoding="utf-8"?>
+<p:sld xmlns:a="http://schemas.openxmlformats.org/drawingml/2006/main" xmlns:r="http://schemas.openxmlformats.org/officeDocument/2006/relationships" xmlns:p="http://schemas.openxmlformats.org/presentationml/2006/main">
+  <p:cSld>
+    <p:spTree>
+      <p:nvGrpSpPr>
+        <p:cNvPr id="1" name=""/>
+        <p:cNvGrpSpPr/>
+        <p:nvPr/>
+      </p:nvGrpSpPr>
+      <p:grpSpPr>
+        <a:xfrm>
+          <a:off x="0" y="0"/>
+          <a:ext cx="0" cy="0"/>
+          <a:chOff x="0" y="0"/>
+          <a:chExt cx="0" cy="0"/>
+        </a:xfrm>
+      </p:grpSpPr>
+      <p:sp>
+        <p:nvSpPr>
+          <p:cNvPr id="2" name="Заголовок 1"/>
+          <p:cNvSpPr>
+            <a:spLocks noGrp="1"/>
+          </p:cNvSpPr>
+          <p:nvPr>
+            <p:ph type="title"/>
+          </p:nvPr>
+        </p:nvSpPr>
+        <p:spPr/>
+        <p:txBody>
+          <a:bodyPr/>
+          <a:lstStyle/>
+          <a:p>
+            <a:r>
+              <a:rPr lang="ru-RU" dirty="0" smtClean="0"/>
+              <a:t>Иерархия отображения</a:t>
+            </a:r>
+            <a:endParaRPr lang="ru-RU" dirty="0"/>
+          </a:p>
+        </p:txBody>
+      </p:sp>
+      <p:pic>
+        <p:nvPicPr>
+          <p:cNvPr id="4" name="Объект 3"/>
+          <p:cNvPicPr>
+            <a:picLocks noGrp="1" noChangeAspect="1"/>
+          </p:cNvPicPr>
+          <p:nvPr>
+            <p:ph idx="1"/>
+          </p:nvPr>
+        </p:nvPicPr>
+        <p:blipFill>
+          <a:blip r:embed="rId2">
+            <a:extLst>
+              <a:ext uri="{28A0092B-C50C-407E-A947-70E740481C1C}">
+                <a14:useLocalDpi xmlns:a14="http://schemas.microsoft.com/office/drawing/2010/main" val="0"/>
+              </a:ext>
+            </a:extLst>
+          </a:blip>
+          <a:stretch>
+            <a:fillRect/>
+          </a:stretch>
+        </p:blipFill>
+        <p:spPr>
+          <a:xfrm>
+            <a:off x="457200" y="2142998"/>
+            <a:ext cx="8229600" cy="3440366"/>
+          </a:xfrm>
+        </p:spPr>
+      </p:pic>
+    </p:spTree>
+    <p:extLst>
+      <p:ext uri="{BB962C8B-B14F-4D97-AF65-F5344CB8AC3E}">
+        <p14:creationId xmlns:p14="http://schemas.microsoft.com/office/powerpoint/2010/main" val="2881224620"/>
+      </p:ext>
+    </p:extLst>
+  </p:cSld>
+  <p:clrMapOvr>
+    <a:masterClrMapping/>
+  </p:clrMapOvr>
+</p:sld>
+</file>
+
+<file path=ppt/slides/slide7.xml><?xml version="1.0" encoding="utf-8"?>
+<p:sld xmlns:a="http://schemas.openxmlformats.org/drawingml/2006/main" xmlns:r="http://schemas.openxmlformats.org/officeDocument/2006/relationships" xmlns:p="http://schemas.openxmlformats.org/presentationml/2006/main">
+  <p:cSld>
+    <p:spTree>
+      <p:nvGrpSpPr>
+        <p:cNvPr id="1" name=""/>
+        <p:cNvGrpSpPr/>
+        <p:nvPr/>
+      </p:nvGrpSpPr>
+      <p:grpSpPr>
+        <a:xfrm>
+          <a:off x="0" y="0"/>
+          <a:ext cx="0" cy="0"/>
+          <a:chOff x="0" y="0"/>
+          <a:chExt cx="0" cy="0"/>
+        </a:xfrm>
+      </p:grpSpPr>
+      <p:sp>
+        <p:nvSpPr>
+          <p:cNvPr id="2" name="Заголовок 1"/>
+          <p:cNvSpPr>
+            <a:spLocks noGrp="1"/>
+          </p:cNvSpPr>
+          <p:nvPr>
+            <p:ph type="title"/>
+          </p:nvPr>
+        </p:nvSpPr>
+        <p:spPr/>
+        <p:txBody>
+          <a:bodyPr/>
+          <a:lstStyle/>
+          <a:p>
+            <a:r>
+              <a:rPr lang="ru-RU" dirty="0" smtClean="0"/>
+              <a:t>Игра</a:t>
+            </a:r>
+            <a:endParaRPr lang="ru-RU" dirty="0"/>
+          </a:p>
+        </p:txBody>
+      </p:sp>
+      <p:sp>
+        <p:nvSpPr>
+          <p:cNvPr id="3" name="Объект 2"/>
+          <p:cNvSpPr>
+            <a:spLocks noGrp="1"/>
+          </p:cNvSpPr>
+          <p:nvPr>
+            <p:ph idx="1"/>
+          </p:nvPr>
+        </p:nvSpPr>
+        <p:spPr/>
+        <p:txBody>
+          <a:bodyPr/>
+          <a:lstStyle/>
+          <a:p>
+            <a:endParaRPr lang="ru-RU" dirty="0"/>
+          </a:p>
+        </p:txBody>
+      </p:sp>
+    </p:spTree>
+    <p:extLst>
+      <p:ext uri="{BB962C8B-B14F-4D97-AF65-F5344CB8AC3E}">
+        <p14:creationId xmlns:p14="http://schemas.microsoft.com/office/powerpoint/2010/main" val="984347650"/>
+      </p:ext>
+    </p:extLst>
+  </p:cSld>
+  <p:clrMapOvr>
+    <a:masterClrMapping/>
+  </p:clrMapOvr>
+</p:sld>
 </file>
 
 <file path=ppt/theme/theme1.xml><?xml version="1.0" encoding="utf-8"?>

--- a/RollingSphere.pptx
+++ b/RollingSphere.pptx
@@ -12,6 +12,11 @@
     <p:sldId id="259" r:id="rId6"/>
     <p:sldId id="261" r:id="rId7"/>
     <p:sldId id="262" r:id="rId8"/>
+    <p:sldId id="263" r:id="rId9"/>
+    <p:sldId id="264" r:id="rId10"/>
+    <p:sldId id="265" r:id="rId11"/>
+    <p:sldId id="266" r:id="rId12"/>
+    <p:sldId id="267" r:id="rId13"/>
   </p:sldIdLst>
   <p:sldSz cx="9144000" cy="6858000" type="screen4x3"/>
   <p:notesSz cx="6858000" cy="9144000"/>
@@ -2523,7 +2528,7 @@
 <p:sldMaster xmlns:a="http://schemas.openxmlformats.org/drawingml/2006/main" xmlns:r="http://schemas.openxmlformats.org/officeDocument/2006/relationships" xmlns:p="http://schemas.openxmlformats.org/presentationml/2006/main">
   <p:cSld>
     <p:bg>
-      <p:bgRef idx="1001">
+      <p:bgRef idx="1003">
         <a:schemeClr val="bg1"/>
       </p:bgRef>
     </p:bg>
@@ -2757,7 +2762,7 @@
       </p:sp>
     </p:spTree>
   </p:cSld>
-  <p:clrMap bg1="lt1" tx1="dk1" bg2="lt2" tx2="dk2" accent1="accent1" accent2="accent2" accent3="accent3" accent4="accent4" accent5="accent5" accent6="accent6" hlink="hlink" folHlink="folHlink"/>
+  <p:clrMap bg1="dk1" tx1="lt1" bg2="dk2" tx2="lt2" accent1="accent1" accent2="accent2" accent3="accent3" accent4="accent4" accent5="accent5" accent6="accent6" hlink="hlink" folHlink="folHlink"/>
   <p:sldLayoutIdLst>
     <p:sldLayoutId id="2147483649" r:id="rId1"/>
     <p:sldLayoutId id="2147483650" r:id="rId2"/>
@@ -3057,8 +3062,16 @@
           <a:lstStyle/>
           <a:p>
             <a:r>
-              <a:rPr lang="en-US" dirty="0" err="1" smtClean="0"/>
-              <a:t>RollingSphere</a:t>
+              <a:rPr lang="en-US" dirty="0" smtClean="0"/>
+              <a:t>Rolling</a:t>
+            </a:r>
+            <a:r>
+              <a:rPr lang="ru-RU" dirty="0" smtClean="0"/>
+              <a:t> </a:t>
+            </a:r>
+            <a:r>
+              <a:rPr lang="en-US" dirty="0" smtClean="0"/>
+              <a:t>Sphere</a:t>
             </a:r>
             <a:endParaRPr lang="ru-RU" dirty="0"/>
           </a:p>
@@ -3093,6 +3106,429 @@
   <p:clrMapOvr>
     <a:masterClrMapping/>
   </p:clrMapOvr>
+</p:sld>
+</file>
+
+<file path=ppt/slides/slide10.xml><?xml version="1.0" encoding="utf-8"?>
+<p:sld xmlns:a="http://schemas.openxmlformats.org/drawingml/2006/main" xmlns:r="http://schemas.openxmlformats.org/officeDocument/2006/relationships" xmlns:p="http://schemas.openxmlformats.org/presentationml/2006/main">
+  <p:cSld>
+    <p:spTree>
+      <p:nvGrpSpPr>
+        <p:cNvPr id="1" name=""/>
+        <p:cNvGrpSpPr/>
+        <p:nvPr/>
+      </p:nvGrpSpPr>
+      <p:grpSpPr>
+        <a:xfrm>
+          <a:off x="0" y="0"/>
+          <a:ext cx="0" cy="0"/>
+          <a:chOff x="0" y="0"/>
+          <a:chExt cx="0" cy="0"/>
+        </a:xfrm>
+      </p:grpSpPr>
+      <p:sp>
+        <p:nvSpPr>
+          <p:cNvPr id="2" name="Заголовок 1"/>
+          <p:cNvSpPr>
+            <a:spLocks noGrp="1"/>
+          </p:cNvSpPr>
+          <p:nvPr>
+            <p:ph type="title"/>
+          </p:nvPr>
+        </p:nvSpPr>
+        <p:spPr/>
+        <p:txBody>
+          <a:bodyPr/>
+          <a:lstStyle/>
+          <a:p>
+            <a:r>
+              <a:rPr lang="ru-RU" dirty="0" smtClean="0"/>
+              <a:t>Реализация</a:t>
+            </a:r>
+            <a:endParaRPr lang="ru-RU" dirty="0"/>
+          </a:p>
+        </p:txBody>
+      </p:sp>
+      <p:sp>
+        <p:nvSpPr>
+          <p:cNvPr id="3" name="Объект 2"/>
+          <p:cNvSpPr>
+            <a:spLocks noGrp="1"/>
+          </p:cNvSpPr>
+          <p:nvPr>
+            <p:ph idx="1"/>
+          </p:nvPr>
+        </p:nvSpPr>
+        <p:spPr/>
+        <p:txBody>
+          <a:bodyPr/>
+          <a:lstStyle/>
+          <a:p>
+            <a:endParaRPr lang="ru-RU" dirty="0"/>
+          </a:p>
+        </p:txBody>
+      </p:sp>
+      <p:pic>
+        <p:nvPicPr>
+          <p:cNvPr id="2050" name="Picture 2"/>
+          <p:cNvPicPr>
+            <a:picLocks noChangeAspect="1" noChangeArrowheads="1"/>
+          </p:cNvPicPr>
+          <p:nvPr/>
+        </p:nvPicPr>
+        <p:blipFill rotWithShape="1">
+          <a:blip r:embed="rId2">
+            <a:extLst>
+              <a:ext uri="{28A0092B-C50C-407E-A947-70E740481C1C}">
+                <a14:useLocalDpi xmlns:a14="http://schemas.microsoft.com/office/drawing/2010/main" val="0"/>
+              </a:ext>
+            </a:extLst>
+          </a:blip>
+          <a:srcRect l="12829" t="9000" r="12654"/>
+          <a:stretch/>
+        </p:blipFill>
+        <p:spPr bwMode="auto">
+          <a:xfrm>
+            <a:off x="467544" y="1628800"/>
+            <a:ext cx="8208912" cy="4464496"/>
+          </a:xfrm>
+          <a:prstGeom prst="rect">
+            <a:avLst/>
+          </a:prstGeom>
+          <a:noFill/>
+          <a:ln>
+            <a:noFill/>
+          </a:ln>
+          <a:effectLst/>
+          <a:extLst>
+            <a:ext uri="{909E8E84-426E-40DD-AFC4-6F175D3DCCD1}">
+              <a14:hiddenFill xmlns:a14="http://schemas.microsoft.com/office/drawing/2010/main">
+                <a:solidFill>
+                  <a:schemeClr val="accent1"/>
+                </a:solidFill>
+              </a14:hiddenFill>
+            </a:ext>
+            <a:ext uri="{91240B29-F687-4F45-9708-019B960494DF}">
+              <a14:hiddenLine xmlns:a14="http://schemas.microsoft.com/office/drawing/2010/main" w="9525">
+                <a:solidFill>
+                  <a:schemeClr val="tx1"/>
+                </a:solidFill>
+                <a:miter lim="800000"/>
+                <a:headEnd/>
+                <a:tailEnd/>
+              </a14:hiddenLine>
+            </a:ext>
+            <a:ext uri="{AF507438-7753-43E0-B8FC-AC1667EBCBE1}">
+              <a14:hiddenEffects xmlns:a14="http://schemas.microsoft.com/office/drawing/2010/main">
+                <a:effectLst>
+                  <a:outerShdw dist="35921" dir="2700000" algn="ctr" rotWithShape="0">
+                    <a:schemeClr val="bg2"/>
+                  </a:outerShdw>
+                </a:effectLst>
+              </a14:hiddenEffects>
+            </a:ext>
+          </a:extLst>
+        </p:spPr>
+      </p:pic>
+    </p:spTree>
+    <p:extLst>
+      <p:ext uri="{BB962C8B-B14F-4D97-AF65-F5344CB8AC3E}">
+        <p14:creationId xmlns:p14="http://schemas.microsoft.com/office/powerpoint/2010/main" val="3916901525"/>
+      </p:ext>
+    </p:extLst>
+  </p:cSld>
+  <p:clrMapOvr>
+    <a:masterClrMapping/>
+  </p:clrMapOvr>
+  <p:timing>
+    <p:tnLst>
+      <p:par>
+        <p:cTn id="1" dur="indefinite" restart="never" nodeType="tmRoot"/>
+      </p:par>
+    </p:tnLst>
+  </p:timing>
+</p:sld>
+</file>
+
+<file path=ppt/slides/slide11.xml><?xml version="1.0" encoding="utf-8"?>
+<p:sld xmlns:a="http://schemas.openxmlformats.org/drawingml/2006/main" xmlns:r="http://schemas.openxmlformats.org/officeDocument/2006/relationships" xmlns:p="http://schemas.openxmlformats.org/presentationml/2006/main">
+  <p:cSld>
+    <p:spTree>
+      <p:nvGrpSpPr>
+        <p:cNvPr id="1" name=""/>
+        <p:cNvGrpSpPr/>
+        <p:nvPr/>
+      </p:nvGrpSpPr>
+      <p:grpSpPr>
+        <a:xfrm>
+          <a:off x="0" y="0"/>
+          <a:ext cx="0" cy="0"/>
+          <a:chOff x="0" y="0"/>
+          <a:chExt cx="0" cy="0"/>
+        </a:xfrm>
+      </p:grpSpPr>
+      <p:sp>
+        <p:nvSpPr>
+          <p:cNvPr id="2" name="Заголовок 1"/>
+          <p:cNvSpPr>
+            <a:spLocks noGrp="1"/>
+          </p:cNvSpPr>
+          <p:nvPr>
+            <p:ph type="title"/>
+          </p:nvPr>
+        </p:nvSpPr>
+        <p:spPr/>
+        <p:txBody>
+          <a:bodyPr/>
+          <a:lstStyle/>
+          <a:p>
+            <a:r>
+              <a:rPr lang="ru-RU" dirty="0" smtClean="0"/>
+              <a:t>Реализация</a:t>
+            </a:r>
+            <a:endParaRPr lang="ru-RU" dirty="0"/>
+          </a:p>
+        </p:txBody>
+      </p:sp>
+      <p:sp>
+        <p:nvSpPr>
+          <p:cNvPr id="3" name="Объект 2"/>
+          <p:cNvSpPr>
+            <a:spLocks noGrp="1"/>
+          </p:cNvSpPr>
+          <p:nvPr>
+            <p:ph idx="1"/>
+          </p:nvPr>
+        </p:nvSpPr>
+        <p:spPr/>
+        <p:txBody>
+          <a:bodyPr/>
+          <a:lstStyle/>
+          <a:p>
+            <a:endParaRPr lang="ru-RU" dirty="0"/>
+          </a:p>
+        </p:txBody>
+      </p:sp>
+      <p:pic>
+        <p:nvPicPr>
+          <p:cNvPr id="3074" name="Picture 2"/>
+          <p:cNvPicPr>
+            <a:picLocks noChangeAspect="1" noChangeArrowheads="1"/>
+          </p:cNvPicPr>
+          <p:nvPr/>
+        </p:nvPicPr>
+        <p:blipFill rotWithShape="1">
+          <a:blip r:embed="rId2">
+            <a:extLst>
+              <a:ext uri="{28A0092B-C50C-407E-A947-70E740481C1C}">
+                <a14:useLocalDpi xmlns:a14="http://schemas.microsoft.com/office/drawing/2010/main" val="0"/>
+              </a:ext>
+            </a:extLst>
+          </a:blip>
+          <a:srcRect l="12717" t="8532" r="12543" b="6250"/>
+          <a:stretch/>
+        </p:blipFill>
+        <p:spPr bwMode="auto">
+          <a:xfrm>
+            <a:off x="504172" y="1628800"/>
+            <a:ext cx="8172284" cy="4464496"/>
+          </a:xfrm>
+          <a:prstGeom prst="rect">
+            <a:avLst/>
+          </a:prstGeom>
+          <a:noFill/>
+          <a:ln>
+            <a:noFill/>
+          </a:ln>
+          <a:effectLst/>
+          <a:extLst>
+            <a:ext uri="{909E8E84-426E-40DD-AFC4-6F175D3DCCD1}">
+              <a14:hiddenFill xmlns:a14="http://schemas.microsoft.com/office/drawing/2010/main">
+                <a:solidFill>
+                  <a:schemeClr val="accent1"/>
+                </a:solidFill>
+              </a14:hiddenFill>
+            </a:ext>
+            <a:ext uri="{91240B29-F687-4F45-9708-019B960494DF}">
+              <a14:hiddenLine xmlns:a14="http://schemas.microsoft.com/office/drawing/2010/main" w="9525">
+                <a:solidFill>
+                  <a:schemeClr val="tx1"/>
+                </a:solidFill>
+                <a:miter lim="800000"/>
+                <a:headEnd/>
+                <a:tailEnd/>
+              </a14:hiddenLine>
+            </a:ext>
+            <a:ext uri="{AF507438-7753-43E0-B8FC-AC1667EBCBE1}">
+              <a14:hiddenEffects xmlns:a14="http://schemas.microsoft.com/office/drawing/2010/main">
+                <a:effectLst>
+                  <a:outerShdw dist="35921" dir="2700000" algn="ctr" rotWithShape="0">
+                    <a:schemeClr val="bg2"/>
+                  </a:outerShdw>
+                </a:effectLst>
+              </a14:hiddenEffects>
+            </a:ext>
+          </a:extLst>
+        </p:spPr>
+      </p:pic>
+    </p:spTree>
+    <p:extLst>
+      <p:ext uri="{BB962C8B-B14F-4D97-AF65-F5344CB8AC3E}">
+        <p14:creationId xmlns:p14="http://schemas.microsoft.com/office/powerpoint/2010/main" val="4056724796"/>
+      </p:ext>
+    </p:extLst>
+  </p:cSld>
+  <p:clrMapOvr>
+    <a:masterClrMapping/>
+  </p:clrMapOvr>
+  <p:timing>
+    <p:tnLst>
+      <p:par>
+        <p:cTn id="1" dur="indefinite" restart="never" nodeType="tmRoot"/>
+      </p:par>
+    </p:tnLst>
+  </p:timing>
+</p:sld>
+</file>
+
+<file path=ppt/slides/slide12.xml><?xml version="1.0" encoding="utf-8"?>
+<p:sld xmlns:a="http://schemas.openxmlformats.org/drawingml/2006/main" xmlns:r="http://schemas.openxmlformats.org/officeDocument/2006/relationships" xmlns:p="http://schemas.openxmlformats.org/presentationml/2006/main">
+  <p:cSld>
+    <p:spTree>
+      <p:nvGrpSpPr>
+        <p:cNvPr id="1" name=""/>
+        <p:cNvGrpSpPr/>
+        <p:nvPr/>
+      </p:nvGrpSpPr>
+      <p:grpSpPr>
+        <a:xfrm>
+          <a:off x="0" y="0"/>
+          <a:ext cx="0" cy="0"/>
+          <a:chOff x="0" y="0"/>
+          <a:chExt cx="0" cy="0"/>
+        </a:xfrm>
+      </p:grpSpPr>
+      <p:sp>
+        <p:nvSpPr>
+          <p:cNvPr id="2" name="Заголовок 1"/>
+          <p:cNvSpPr>
+            <a:spLocks noGrp="1"/>
+          </p:cNvSpPr>
+          <p:nvPr>
+            <p:ph type="title"/>
+          </p:nvPr>
+        </p:nvSpPr>
+        <p:spPr/>
+        <p:txBody>
+          <a:bodyPr/>
+          <a:lstStyle/>
+          <a:p>
+            <a:r>
+              <a:rPr lang="ru-RU" dirty="0" smtClean="0"/>
+              <a:t>Реализация</a:t>
+            </a:r>
+            <a:endParaRPr lang="ru-RU" dirty="0"/>
+          </a:p>
+        </p:txBody>
+      </p:sp>
+      <p:sp>
+        <p:nvSpPr>
+          <p:cNvPr id="3" name="Объект 2"/>
+          <p:cNvSpPr>
+            <a:spLocks noGrp="1"/>
+          </p:cNvSpPr>
+          <p:nvPr>
+            <p:ph idx="1"/>
+          </p:nvPr>
+        </p:nvSpPr>
+        <p:spPr/>
+        <p:txBody>
+          <a:bodyPr/>
+          <a:lstStyle/>
+          <a:p>
+            <a:endParaRPr lang="ru-RU" dirty="0"/>
+          </a:p>
+        </p:txBody>
+      </p:sp>
+      <p:pic>
+        <p:nvPicPr>
+          <p:cNvPr id="4098" name="Picture 2"/>
+          <p:cNvPicPr>
+            <a:picLocks noChangeAspect="1" noChangeArrowheads="1"/>
+          </p:cNvPicPr>
+          <p:nvPr/>
+        </p:nvPicPr>
+        <p:blipFill rotWithShape="1">
+          <a:blip r:embed="rId2">
+            <a:extLst>
+              <a:ext uri="{28A0092B-C50C-407E-A947-70E740481C1C}">
+                <a14:useLocalDpi xmlns:a14="http://schemas.microsoft.com/office/drawing/2010/main" val="0"/>
+              </a:ext>
+            </a:extLst>
+          </a:blip>
+          <a:srcRect l="12717" t="9419" r="12431"/>
+          <a:stretch/>
+        </p:blipFill>
+        <p:spPr bwMode="auto">
+          <a:xfrm>
+            <a:off x="521546" y="1628801"/>
+            <a:ext cx="8154910" cy="4464495"/>
+          </a:xfrm>
+          <a:prstGeom prst="rect">
+            <a:avLst/>
+          </a:prstGeom>
+          <a:noFill/>
+          <a:ln>
+            <a:noFill/>
+          </a:ln>
+          <a:effectLst/>
+          <a:extLst>
+            <a:ext uri="{909E8E84-426E-40DD-AFC4-6F175D3DCCD1}">
+              <a14:hiddenFill xmlns:a14="http://schemas.microsoft.com/office/drawing/2010/main">
+                <a:solidFill>
+                  <a:schemeClr val="accent1"/>
+                </a:solidFill>
+              </a14:hiddenFill>
+            </a:ext>
+            <a:ext uri="{91240B29-F687-4F45-9708-019B960494DF}">
+              <a14:hiddenLine xmlns:a14="http://schemas.microsoft.com/office/drawing/2010/main" w="9525">
+                <a:solidFill>
+                  <a:schemeClr val="tx1"/>
+                </a:solidFill>
+                <a:miter lim="800000"/>
+                <a:headEnd/>
+                <a:tailEnd/>
+              </a14:hiddenLine>
+            </a:ext>
+            <a:ext uri="{AF507438-7753-43E0-B8FC-AC1667EBCBE1}">
+              <a14:hiddenEffects xmlns:a14="http://schemas.microsoft.com/office/drawing/2010/main">
+                <a:effectLst>
+                  <a:outerShdw dist="35921" dir="2700000" algn="ctr" rotWithShape="0">
+                    <a:schemeClr val="bg2"/>
+                  </a:outerShdw>
+                </a:effectLst>
+              </a14:hiddenEffects>
+            </a:ext>
+          </a:extLst>
+        </p:spPr>
+      </p:pic>
+    </p:spTree>
+    <p:extLst>
+      <p:ext uri="{BB962C8B-B14F-4D97-AF65-F5344CB8AC3E}">
+        <p14:creationId xmlns:p14="http://schemas.microsoft.com/office/powerpoint/2010/main" val="2709367391"/>
+      </p:ext>
+    </p:extLst>
+  </p:cSld>
+  <p:clrMapOvr>
+    <a:masterClrMapping/>
+  </p:clrMapOvr>
+  <p:timing>
+    <p:tnLst>
+      <p:par>
+        <p:cTn id="1" dur="indefinite" restart="never" nodeType="tmRoot"/>
+      </p:par>
+    </p:tnLst>
+  </p:timing>
 </p:sld>
 </file>
 
@@ -3442,7 +3878,6 @@
               <a:rPr lang="ru-RU" dirty="0"/>
               <a:t> – это способ отображения и внешний вид элемента.</a:t>
             </a:r>
-            <a:endParaRPr lang="ru-RU" dirty="0"/>
           </a:p>
         </p:txBody>
       </p:sp>
@@ -3518,7 +3953,6 @@
               <a:rPr lang="ru-RU" dirty="0"/>
               <a:t> – это изображение, которое может использоваться в рамках материала, чтобы задать внешний вид объекта. Условно говоря, плоскость можно не только покрасить в красный цвет, но и подгрузить собственную картинку и размножить её по этой плоскости.</a:t>
             </a:r>
-            <a:endParaRPr lang="ru-RU" dirty="0"/>
           </a:p>
         </p:txBody>
       </p:sp>
@@ -3672,6 +4106,26 @@
           <a:bodyPr/>
           <a:lstStyle/>
           <a:p>
+            <a:r>
+              <a:rPr lang="ru-RU" dirty="0" smtClean="0"/>
+              <a:t>Игра выполнена в жанре бесконечный </a:t>
+            </a:r>
+            <a:r>
+              <a:rPr lang="ru-RU" dirty="0" err="1" smtClean="0"/>
+              <a:t>раннер</a:t>
+            </a:r>
+            <a:r>
+              <a:rPr lang="ru-RU" dirty="0" smtClean="0"/>
+              <a:t>. </a:t>
+            </a:r>
+            <a:r>
+              <a:rPr lang="en-US" dirty="0" smtClean="0"/>
+              <a:t>Rolling Sphere – </a:t>
+            </a:r>
+            <a:r>
+              <a:rPr lang="ru-RU" dirty="0" smtClean="0"/>
+              <a:t>отличный тайм-киллер. Пользователь управляет сферой и должен уклоняться от препятствий. </a:t>
+            </a:r>
             <a:endParaRPr lang="ru-RU" dirty="0"/>
           </a:p>
         </p:txBody>
@@ -3686,6 +4140,269 @@
   <p:clrMapOvr>
     <a:masterClrMapping/>
   </p:clrMapOvr>
+</p:sld>
+</file>
+
+<file path=ppt/slides/slide8.xml><?xml version="1.0" encoding="utf-8"?>
+<p:sld xmlns:a="http://schemas.openxmlformats.org/drawingml/2006/main" xmlns:r="http://schemas.openxmlformats.org/officeDocument/2006/relationships" xmlns:p="http://schemas.openxmlformats.org/presentationml/2006/main">
+  <p:cSld>
+    <p:spTree>
+      <p:nvGrpSpPr>
+        <p:cNvPr id="1" name=""/>
+        <p:cNvGrpSpPr/>
+        <p:nvPr/>
+      </p:nvGrpSpPr>
+      <p:grpSpPr>
+        <a:xfrm>
+          <a:off x="0" y="0"/>
+          <a:ext cx="0" cy="0"/>
+          <a:chOff x="0" y="0"/>
+          <a:chExt cx="0" cy="0"/>
+        </a:xfrm>
+      </p:grpSpPr>
+      <p:sp>
+        <p:nvSpPr>
+          <p:cNvPr id="2" name="Заголовок 1"/>
+          <p:cNvSpPr>
+            <a:spLocks noGrp="1"/>
+          </p:cNvSpPr>
+          <p:nvPr>
+            <p:ph type="title"/>
+          </p:nvPr>
+        </p:nvSpPr>
+        <p:spPr/>
+        <p:txBody>
+          <a:bodyPr/>
+          <a:lstStyle/>
+          <a:p>
+            <a:r>
+              <a:rPr lang="ru-RU" dirty="0" smtClean="0"/>
+              <a:t>Реализация</a:t>
+            </a:r>
+            <a:endParaRPr lang="ru-RU" dirty="0"/>
+          </a:p>
+        </p:txBody>
+      </p:sp>
+      <p:sp>
+        <p:nvSpPr>
+          <p:cNvPr id="3" name="Объект 2"/>
+          <p:cNvSpPr>
+            <a:spLocks noGrp="1"/>
+          </p:cNvSpPr>
+          <p:nvPr>
+            <p:ph idx="1"/>
+          </p:nvPr>
+        </p:nvSpPr>
+        <p:spPr/>
+        <p:txBody>
+          <a:bodyPr/>
+          <a:lstStyle/>
+          <a:p>
+            <a:r>
+              <a:rPr lang="ru-RU" dirty="0" smtClean="0"/>
+              <a:t>Создание сцены</a:t>
+            </a:r>
+          </a:p>
+          <a:p>
+            <a:r>
+              <a:rPr lang="ru-RU" dirty="0" smtClean="0"/>
+              <a:t>Установка освещения</a:t>
+            </a:r>
+          </a:p>
+          <a:p>
+            <a:r>
+              <a:rPr lang="ru-RU" dirty="0" smtClean="0"/>
+              <a:t>Добавление дороги</a:t>
+            </a:r>
+          </a:p>
+          <a:p>
+            <a:r>
+              <a:rPr lang="ru-RU" dirty="0" smtClean="0"/>
+              <a:t>Генерация и движение препятствий</a:t>
+            </a:r>
+          </a:p>
+          <a:p>
+            <a:r>
+              <a:rPr lang="ru-RU" dirty="0" smtClean="0"/>
+              <a:t>Создание героя</a:t>
+            </a:r>
+          </a:p>
+          <a:p>
+            <a:r>
+              <a:rPr lang="ru-RU" dirty="0" smtClean="0"/>
+              <a:t>Обработка столкновений</a:t>
+            </a:r>
+          </a:p>
+          <a:p>
+            <a:r>
+              <a:rPr lang="ru-RU" dirty="0" smtClean="0"/>
+              <a:t>Подсчет очков</a:t>
+            </a:r>
+            <a:endParaRPr lang="ru-RU" dirty="0"/>
+          </a:p>
+        </p:txBody>
+      </p:sp>
+    </p:spTree>
+    <p:extLst>
+      <p:ext uri="{BB962C8B-B14F-4D97-AF65-F5344CB8AC3E}">
+        <p14:creationId xmlns:p14="http://schemas.microsoft.com/office/powerpoint/2010/main" val="993090763"/>
+      </p:ext>
+    </p:extLst>
+  </p:cSld>
+  <p:clrMapOvr>
+    <a:masterClrMapping/>
+  </p:clrMapOvr>
+  <p:timing>
+    <p:tnLst>
+      <p:par>
+        <p:cTn id="1" dur="indefinite" restart="never" nodeType="tmRoot"/>
+      </p:par>
+    </p:tnLst>
+  </p:timing>
+</p:sld>
+</file>
+
+<file path=ppt/slides/slide9.xml><?xml version="1.0" encoding="utf-8"?>
+<p:sld xmlns:a="http://schemas.openxmlformats.org/drawingml/2006/main" xmlns:r="http://schemas.openxmlformats.org/officeDocument/2006/relationships" xmlns:p="http://schemas.openxmlformats.org/presentationml/2006/main">
+  <p:cSld>
+    <p:spTree>
+      <p:nvGrpSpPr>
+        <p:cNvPr id="1" name=""/>
+        <p:cNvGrpSpPr/>
+        <p:nvPr/>
+      </p:nvGrpSpPr>
+      <p:grpSpPr>
+        <a:xfrm>
+          <a:off x="0" y="0"/>
+          <a:ext cx="0" cy="0"/>
+          <a:chOff x="0" y="0"/>
+          <a:chExt cx="0" cy="0"/>
+        </a:xfrm>
+      </p:grpSpPr>
+      <p:sp>
+        <p:nvSpPr>
+          <p:cNvPr id="2" name="Заголовок 1"/>
+          <p:cNvSpPr>
+            <a:spLocks noGrp="1"/>
+          </p:cNvSpPr>
+          <p:nvPr>
+            <p:ph type="title"/>
+          </p:nvPr>
+        </p:nvSpPr>
+        <p:spPr/>
+        <p:txBody>
+          <a:bodyPr/>
+          <a:lstStyle/>
+          <a:p>
+            <a:r>
+              <a:rPr lang="ru-RU" dirty="0" smtClean="0"/>
+              <a:t>Реализация</a:t>
+            </a:r>
+            <a:endParaRPr lang="ru-RU" dirty="0"/>
+          </a:p>
+        </p:txBody>
+      </p:sp>
+      <p:sp>
+        <p:nvSpPr>
+          <p:cNvPr id="3" name="Объект 2"/>
+          <p:cNvSpPr>
+            <a:spLocks noGrp="1"/>
+          </p:cNvSpPr>
+          <p:nvPr>
+            <p:ph idx="1"/>
+          </p:nvPr>
+        </p:nvSpPr>
+        <p:spPr/>
+        <p:txBody>
+          <a:bodyPr/>
+          <a:lstStyle/>
+          <a:p>
+            <a:pPr marL="0" indent="0">
+              <a:buNone/>
+            </a:pPr>
+            <a:endParaRPr lang="ru-RU" dirty="0"/>
+          </a:p>
+        </p:txBody>
+      </p:sp>
+      <p:pic>
+        <p:nvPicPr>
+          <p:cNvPr id="1027" name="Picture 3"/>
+          <p:cNvPicPr>
+            <a:picLocks noChangeAspect="1" noChangeArrowheads="1"/>
+          </p:cNvPicPr>
+          <p:nvPr/>
+        </p:nvPicPr>
+        <p:blipFill rotWithShape="1">
+          <a:blip r:embed="rId2">
+            <a:extLst>
+              <a:ext uri="{28A0092B-C50C-407E-A947-70E740481C1C}">
+                <a14:useLocalDpi xmlns:a14="http://schemas.microsoft.com/office/drawing/2010/main" val="0"/>
+              </a:ext>
+            </a:extLst>
+          </a:blip>
+          <a:srcRect l="13425" t="9140" r="13458"/>
+          <a:stretch/>
+        </p:blipFill>
+        <p:spPr bwMode="auto">
+          <a:xfrm>
+            <a:off x="467544" y="1628800"/>
+            <a:ext cx="8208912" cy="4464496"/>
+          </a:xfrm>
+          <a:prstGeom prst="rect">
+            <a:avLst/>
+          </a:prstGeom>
+          <a:noFill/>
+          <a:ln>
+            <a:noFill/>
+          </a:ln>
+          <a:effectLst/>
+          <a:extLst>
+            <a:ext uri="{909E8E84-426E-40DD-AFC4-6F175D3DCCD1}">
+              <a14:hiddenFill xmlns:a14="http://schemas.microsoft.com/office/drawing/2010/main">
+                <a:solidFill>
+                  <a:schemeClr val="accent1"/>
+                </a:solidFill>
+              </a14:hiddenFill>
+            </a:ext>
+            <a:ext uri="{91240B29-F687-4F45-9708-019B960494DF}">
+              <a14:hiddenLine xmlns:a14="http://schemas.microsoft.com/office/drawing/2010/main" w="9525">
+                <a:solidFill>
+                  <a:schemeClr val="tx1"/>
+                </a:solidFill>
+                <a:miter lim="800000"/>
+                <a:headEnd/>
+                <a:tailEnd/>
+              </a14:hiddenLine>
+            </a:ext>
+            <a:ext uri="{AF507438-7753-43E0-B8FC-AC1667EBCBE1}">
+              <a14:hiddenEffects xmlns:a14="http://schemas.microsoft.com/office/drawing/2010/main">
+                <a:effectLst>
+                  <a:outerShdw dist="35921" dir="2700000" algn="ctr" rotWithShape="0">
+                    <a:schemeClr val="bg2"/>
+                  </a:outerShdw>
+                </a:effectLst>
+              </a14:hiddenEffects>
+            </a:ext>
+          </a:extLst>
+        </p:spPr>
+      </p:pic>
+    </p:spTree>
+    <p:extLst>
+      <p:ext uri="{BB962C8B-B14F-4D97-AF65-F5344CB8AC3E}">
+        <p14:creationId xmlns:p14="http://schemas.microsoft.com/office/powerpoint/2010/main" val="1799816289"/>
+      </p:ext>
+    </p:extLst>
+  </p:cSld>
+  <p:clrMapOvr>
+    <a:masterClrMapping/>
+  </p:clrMapOvr>
+  <p:timing>
+    <p:tnLst>
+      <p:par>
+        <p:cTn id="1" dur="indefinite" restart="never" nodeType="tmRoot"/>
+      </p:par>
+    </p:tnLst>
+  </p:timing>
 </p:sld>
 </file>
 
